--- a/Other files/CSC258 – Project.pptx
+++ b/Other files/CSC258 – Project.pptx
@@ -6,12 +6,15 @@
   </p:sldMasterIdLst>
   <p:sldIdLst>
     <p:sldId id="256" r:id="rId2"/>
-    <p:sldId id="259" r:id="rId3"/>
-    <p:sldId id="257" r:id="rId4"/>
-    <p:sldId id="258" r:id="rId5"/>
-    <p:sldId id="260" r:id="rId6"/>
-    <p:sldId id="261" r:id="rId7"/>
-    <p:sldId id="262" r:id="rId8"/>
+    <p:sldId id="265" r:id="rId3"/>
+    <p:sldId id="263" r:id="rId4"/>
+    <p:sldId id="259" r:id="rId5"/>
+    <p:sldId id="257" r:id="rId6"/>
+    <p:sldId id="258" r:id="rId7"/>
+    <p:sldId id="260" r:id="rId8"/>
+    <p:sldId id="261" r:id="rId9"/>
+    <p:sldId id="264" r:id="rId10"/>
+    <p:sldId id="262" r:id="rId11"/>
   </p:sldIdLst>
   <p:sldSz cx="12192000" cy="6858000"/>
   <p:notesSz cx="6858000" cy="9144000"/>
@@ -110,6 +113,11 @@
       </a:defRPr>
     </a:lvl9pPr>
   </p:defaultTextStyle>
+  <p:extLst>
+    <p:ext uri="{EFAFB233-063F-42B5-8137-9DF3F51BA10A}">
+      <p15:sldGuideLst xmlns:p15="http://schemas.microsoft.com/office/powerpoint/2012/main"/>
+    </p:ext>
+  </p:extLst>
 </p:presentation>
 </file>
 
@@ -3068,7 +3076,7 @@
           <a:p>
             <a:fld id="{C1865099-C32F-4B73-89DB-BC4B08F70A90}" type="datetimeFigureOut">
               <a:rPr lang="en-CA" smtClean="0"/>
-              <a:t>2016-11-29</a:t>
+              <a:t>2016-11-30</a:t>
             </a:fld>
             <a:endParaRPr lang="en-CA"/>
           </a:p>
@@ -3238,7 +3246,7 @@
           <a:p>
             <a:fld id="{C1865099-C32F-4B73-89DB-BC4B08F70A90}" type="datetimeFigureOut">
               <a:rPr lang="en-CA" smtClean="0"/>
-              <a:t>2016-11-29</a:t>
+              <a:t>2016-11-30</a:t>
             </a:fld>
             <a:endParaRPr lang="en-CA"/>
           </a:p>
@@ -3418,7 +3426,7 @@
           <a:p>
             <a:fld id="{C1865099-C32F-4B73-89DB-BC4B08F70A90}" type="datetimeFigureOut">
               <a:rPr lang="en-CA" smtClean="0"/>
-              <a:t>2016-11-29</a:t>
+              <a:t>2016-11-30</a:t>
             </a:fld>
             <a:endParaRPr lang="en-CA"/>
           </a:p>
@@ -3588,7 +3596,7 @@
           <a:p>
             <a:fld id="{C1865099-C32F-4B73-89DB-BC4B08F70A90}" type="datetimeFigureOut">
               <a:rPr lang="en-CA" smtClean="0"/>
-              <a:t>2016-11-29</a:t>
+              <a:t>2016-11-30</a:t>
             </a:fld>
             <a:endParaRPr lang="en-CA"/>
           </a:p>
@@ -3834,7 +3842,7 @@
           <a:p>
             <a:fld id="{C1865099-C32F-4B73-89DB-BC4B08F70A90}" type="datetimeFigureOut">
               <a:rPr lang="en-CA" smtClean="0"/>
-              <a:t>2016-11-29</a:t>
+              <a:t>2016-11-30</a:t>
             </a:fld>
             <a:endParaRPr lang="en-CA"/>
           </a:p>
@@ -4066,7 +4074,7 @@
           <a:p>
             <a:fld id="{C1865099-C32F-4B73-89DB-BC4B08F70A90}" type="datetimeFigureOut">
               <a:rPr lang="en-CA" smtClean="0"/>
-              <a:t>2016-11-29</a:t>
+              <a:t>2016-11-30</a:t>
             </a:fld>
             <a:endParaRPr lang="en-CA"/>
           </a:p>
@@ -4433,7 +4441,7 @@
           <a:p>
             <a:fld id="{C1865099-C32F-4B73-89DB-BC4B08F70A90}" type="datetimeFigureOut">
               <a:rPr lang="en-CA" smtClean="0"/>
-              <a:t>2016-11-29</a:t>
+              <a:t>2016-11-30</a:t>
             </a:fld>
             <a:endParaRPr lang="en-CA"/>
           </a:p>
@@ -4551,7 +4559,7 @@
           <a:p>
             <a:fld id="{C1865099-C32F-4B73-89DB-BC4B08F70A90}" type="datetimeFigureOut">
               <a:rPr lang="en-CA" smtClean="0"/>
-              <a:t>2016-11-29</a:t>
+              <a:t>2016-11-30</a:t>
             </a:fld>
             <a:endParaRPr lang="en-CA"/>
           </a:p>
@@ -4646,7 +4654,7 @@
           <a:p>
             <a:fld id="{C1865099-C32F-4B73-89DB-BC4B08F70A90}" type="datetimeFigureOut">
               <a:rPr lang="en-CA" smtClean="0"/>
-              <a:t>2016-11-29</a:t>
+              <a:t>2016-11-30</a:t>
             </a:fld>
             <a:endParaRPr lang="en-CA"/>
           </a:p>
@@ -4923,7 +4931,7 @@
           <a:p>
             <a:fld id="{C1865099-C32F-4B73-89DB-BC4B08F70A90}" type="datetimeFigureOut">
               <a:rPr lang="en-CA" smtClean="0"/>
-              <a:t>2016-11-29</a:t>
+              <a:t>2016-11-30</a:t>
             </a:fld>
             <a:endParaRPr lang="en-CA"/>
           </a:p>
@@ -5176,7 +5184,7 @@
           <a:p>
             <a:fld id="{C1865099-C32F-4B73-89DB-BC4B08F70A90}" type="datetimeFigureOut">
               <a:rPr lang="en-CA" smtClean="0"/>
-              <a:t>2016-11-29</a:t>
+              <a:t>2016-11-30</a:t>
             </a:fld>
             <a:endParaRPr lang="en-CA"/>
           </a:p>
@@ -5389,7 +5397,7 @@
           <a:p>
             <a:fld id="{C1865099-C32F-4B73-89DB-BC4B08F70A90}" type="datetimeFigureOut">
               <a:rPr lang="en-CA" smtClean="0"/>
-              <a:t>2016-11-29</a:t>
+              <a:t>2016-11-30</a:t>
             </a:fld>
             <a:endParaRPr lang="en-CA"/>
           </a:p>
@@ -5859,7 +5867,7 @@
 </p:sld>
 </file>
 
-<file path=ppt/slides/slide2.xml><?xml version="1.0" encoding="utf-8"?>
+<file path=ppt/slides/slide10.xml><?xml version="1.0" encoding="utf-8"?>
 <p:sld xmlns:a="http://schemas.openxmlformats.org/drawingml/2006/main" xmlns:r="http://schemas.openxmlformats.org/officeDocument/2006/relationships" xmlns:p="http://schemas.openxmlformats.org/presentationml/2006/main">
   <p:cSld>
     <p:spTree>
@@ -5893,584 +5901,6 @@
           <a:p>
             <a:r>
               <a:rPr lang="en-US" dirty="0"/>
-              <a:t>Snake Drawing FSM</a:t>
-            </a:r>
-            <a:endParaRPr lang="en-CA" dirty="0"/>
-          </a:p>
-        </p:txBody>
-      </p:sp>
-      <p:sp>
-        <p:nvSpPr>
-          <p:cNvPr id="3" name="Content Placeholder 2"/>
-          <p:cNvSpPr>
-            <a:spLocks noGrp="1"/>
-          </p:cNvSpPr>
-          <p:nvPr>
-            <p:ph idx="1"/>
-          </p:nvPr>
-        </p:nvSpPr>
-        <p:spPr/>
-        <p:txBody>
-          <a:bodyPr/>
-          <a:lstStyle/>
-          <a:p>
-            <a:r>
-              <a:rPr lang="en-US" dirty="0"/>
-              <a:t>First load initial positions of the Snake into the RAM in the form {x, y}</a:t>
-            </a:r>
-          </a:p>
-          <a:p>
-            <a:r>
-              <a:rPr lang="en-US" dirty="0"/>
-              <a:t>Draw from the RAM the current positions iterating through the first (length) positions</a:t>
-            </a:r>
-          </a:p>
-          <a:p>
-            <a:r>
-              <a:rPr lang="en-US" dirty="0"/>
-              <a:t>Update the position of the HEAD based on the direction the user has currently selected</a:t>
-            </a:r>
-          </a:p>
-          <a:p>
-            <a:r>
-              <a:rPr lang="en-US" dirty="0"/>
-              <a:t>Draw the new HEAD</a:t>
-            </a:r>
-          </a:p>
-          <a:p>
-            <a:r>
-              <a:rPr lang="en-US" dirty="0"/>
-              <a:t>Erase the previous position of the TAIL by drawing over it with black</a:t>
-            </a:r>
-          </a:p>
-          <a:p>
-            <a:endParaRPr lang="en-US" dirty="0"/>
-          </a:p>
-        </p:txBody>
-      </p:sp>
-    </p:spTree>
-    <p:extLst>
-      <p:ext uri="{BB962C8B-B14F-4D97-AF65-F5344CB8AC3E}">
-        <p14:creationId xmlns:p14="http://schemas.microsoft.com/office/powerpoint/2010/main" val="1804336298"/>
-      </p:ext>
-    </p:extLst>
-  </p:cSld>
-  <p:clrMapOvr>
-    <a:masterClrMapping/>
-  </p:clrMapOvr>
-</p:sld>
-</file>
-
-<file path=ppt/slides/slide3.xml><?xml version="1.0" encoding="utf-8"?>
-<p:sld xmlns:a="http://schemas.openxmlformats.org/drawingml/2006/main" xmlns:r="http://schemas.openxmlformats.org/officeDocument/2006/relationships" xmlns:p="http://schemas.openxmlformats.org/presentationml/2006/main">
-  <p:cSld>
-    <p:spTree>
-      <p:nvGrpSpPr>
-        <p:cNvPr id="1" name=""/>
-        <p:cNvGrpSpPr/>
-        <p:nvPr/>
-      </p:nvGrpSpPr>
-      <p:grpSpPr>
-        <a:xfrm>
-          <a:off x="0" y="0"/>
-          <a:ext cx="0" cy="0"/>
-          <a:chOff x="0" y="0"/>
-          <a:chExt cx="0" cy="0"/>
-        </a:xfrm>
-      </p:grpSpPr>
-      <p:pic>
-        <p:nvPicPr>
-          <p:cNvPr id="4" name="Content Placeholder 3"/>
-          <p:cNvPicPr>
-            <a:picLocks noGrp="1" noChangeAspect="1"/>
-          </p:cNvPicPr>
-          <p:nvPr>
-            <p:ph idx="1"/>
-          </p:nvPr>
-        </p:nvPicPr>
-        <p:blipFill>
-          <a:blip r:embed="rId2">
-            <a:extLst>
-              <a:ext uri="{28A0092B-C50C-407E-A947-70E740481C1C}">
-                <a14:useLocalDpi xmlns:a14="http://schemas.microsoft.com/office/drawing/2010/main" val="0"/>
-              </a:ext>
-            </a:extLst>
-          </a:blip>
-          <a:stretch>
-            <a:fillRect/>
-          </a:stretch>
-        </p:blipFill>
-        <p:spPr>
-          <a:xfrm>
-            <a:off x="476366" y="642551"/>
-            <a:ext cx="10627567" cy="5670504"/>
-          </a:xfrm>
-          <a:prstGeom prst="rect">
-            <a:avLst/>
-          </a:prstGeom>
-          <a:solidFill>
-            <a:srgbClr val="FFFFFF">
-              <a:shade val="85000"/>
-            </a:srgbClr>
-          </a:solidFill>
-          <a:ln w="88900" cap="sq">
-            <a:solidFill>
-              <a:srgbClr val="FFFFFF"/>
-            </a:solidFill>
-            <a:miter lim="800000"/>
-          </a:ln>
-          <a:effectLst>
-            <a:outerShdw blurRad="55000" dist="18000" dir="5400000" algn="tl" rotWithShape="0">
-              <a:srgbClr val="000000">
-                <a:alpha val="40000"/>
-              </a:srgbClr>
-            </a:outerShdw>
-          </a:effectLst>
-          <a:scene3d>
-            <a:camera prst="orthographicFront"/>
-            <a:lightRig rig="twoPt" dir="t">
-              <a:rot lat="0" lon="0" rev="7200000"/>
-            </a:lightRig>
-          </a:scene3d>
-          <a:sp3d>
-            <a:bevelT w="25400" h="19050"/>
-            <a:contourClr>
-              <a:srgbClr val="FFFFFF"/>
-            </a:contourClr>
-          </a:sp3d>
-        </p:spPr>
-      </p:pic>
-    </p:spTree>
-    <p:extLst>
-      <p:ext uri="{BB962C8B-B14F-4D97-AF65-F5344CB8AC3E}">
-        <p14:creationId xmlns:p14="http://schemas.microsoft.com/office/powerpoint/2010/main" val="3966757604"/>
-      </p:ext>
-    </p:extLst>
-  </p:cSld>
-  <p:clrMapOvr>
-    <a:masterClrMapping/>
-  </p:clrMapOvr>
-</p:sld>
-</file>
-
-<file path=ppt/slides/slide4.xml><?xml version="1.0" encoding="utf-8"?>
-<p:sld xmlns:a="http://schemas.openxmlformats.org/drawingml/2006/main" xmlns:r="http://schemas.openxmlformats.org/officeDocument/2006/relationships" xmlns:p="http://schemas.openxmlformats.org/presentationml/2006/main">
-  <p:cSld>
-    <p:spTree>
-      <p:nvGrpSpPr>
-        <p:cNvPr id="1" name=""/>
-        <p:cNvGrpSpPr/>
-        <p:nvPr/>
-      </p:nvGrpSpPr>
-      <p:grpSpPr>
-        <a:xfrm>
-          <a:off x="0" y="0"/>
-          <a:ext cx="0" cy="0"/>
-          <a:chOff x="0" y="0"/>
-          <a:chExt cx="0" cy="0"/>
-        </a:xfrm>
-      </p:grpSpPr>
-      <p:sp>
-        <p:nvSpPr>
-          <p:cNvPr id="2" name="Title 1"/>
-          <p:cNvSpPr>
-            <a:spLocks noGrp="1"/>
-          </p:cNvSpPr>
-          <p:nvPr>
-            <p:ph type="title"/>
-          </p:nvPr>
-        </p:nvSpPr>
-        <p:spPr/>
-        <p:txBody>
-          <a:bodyPr/>
-          <a:lstStyle/>
-          <a:p>
-            <a:r>
-              <a:rPr lang="en-US" dirty="0"/>
-              <a:t>Game State FSM</a:t>
-            </a:r>
-            <a:endParaRPr lang="en-CA" dirty="0"/>
-          </a:p>
-        </p:txBody>
-      </p:sp>
-      <p:sp>
-        <p:nvSpPr>
-          <p:cNvPr id="3" name="Content Placeholder 2"/>
-          <p:cNvSpPr>
-            <a:spLocks noGrp="1"/>
-          </p:cNvSpPr>
-          <p:nvPr>
-            <p:ph idx="1"/>
-          </p:nvPr>
-        </p:nvSpPr>
-        <p:spPr/>
-        <p:txBody>
-          <a:bodyPr/>
-          <a:lstStyle/>
-          <a:p>
-            <a:r>
-              <a:rPr lang="en-US" dirty="0"/>
-              <a:t>Determines what is drawn on the screen</a:t>
-            </a:r>
-          </a:p>
-          <a:p>
-            <a:r>
-              <a:rPr lang="en-US" dirty="0"/>
-              <a:t>Transitions on user input / losing</a:t>
-            </a:r>
-          </a:p>
-          <a:p>
-            <a:r>
-              <a:rPr lang="en-US" dirty="0"/>
-              <a:t>Title and Game Over screen are bmp images</a:t>
-            </a:r>
-          </a:p>
-          <a:p>
-            <a:r>
-              <a:rPr lang="en-US" dirty="0"/>
-              <a:t>Animation is done by determining which ram</a:t>
-            </a:r>
-          </a:p>
-          <a:p>
-            <a:pPr marL="0" indent="0">
-              <a:buNone/>
-            </a:pPr>
-            <a:r>
-              <a:rPr lang="en-US" dirty="0"/>
-              <a:t>to read from inside the Datapath module</a:t>
-            </a:r>
-          </a:p>
-        </p:txBody>
-      </p:sp>
-      <p:graphicFrame>
-        <p:nvGraphicFramePr>
-          <p:cNvPr id="17" name="Diagram 16"/>
-          <p:cNvGraphicFramePr/>
-          <p:nvPr>
-            <p:extLst>
-              <p:ext uri="{D42A27DB-BD31-4B8C-83A1-F6EECF244321}">
-                <p14:modId xmlns:p14="http://schemas.microsoft.com/office/powerpoint/2010/main" val="1204173011"/>
-              </p:ext>
-            </p:extLst>
-          </p:nvPr>
-        </p:nvGraphicFramePr>
-        <p:xfrm>
-          <a:off x="5829643" y="2420100"/>
-          <a:ext cx="6362357" cy="3625793"/>
-        </p:xfrm>
-        <a:graphic>
-          <a:graphicData uri="http://schemas.openxmlformats.org/drawingml/2006/diagram">
-            <dgm:relIds xmlns:dgm="http://schemas.openxmlformats.org/drawingml/2006/diagram" xmlns:r="http://schemas.openxmlformats.org/officeDocument/2006/relationships" r:dm="rId2" r:lo="rId3" r:qs="rId4" r:cs="rId5"/>
-          </a:graphicData>
-        </a:graphic>
-      </p:graphicFrame>
-    </p:spTree>
-    <p:extLst>
-      <p:ext uri="{BB962C8B-B14F-4D97-AF65-F5344CB8AC3E}">
-        <p14:creationId xmlns:p14="http://schemas.microsoft.com/office/powerpoint/2010/main" val="2760622417"/>
-      </p:ext>
-    </p:extLst>
-  </p:cSld>
-  <p:clrMapOvr>
-    <a:masterClrMapping/>
-  </p:clrMapOvr>
-</p:sld>
-</file>
-
-<file path=ppt/slides/slide5.xml><?xml version="1.0" encoding="utf-8"?>
-<p:sld xmlns:a="http://schemas.openxmlformats.org/drawingml/2006/main" xmlns:r="http://schemas.openxmlformats.org/officeDocument/2006/relationships" xmlns:p="http://schemas.openxmlformats.org/presentationml/2006/main">
-  <p:cSld>
-    <p:spTree>
-      <p:nvGrpSpPr>
-        <p:cNvPr id="1" name=""/>
-        <p:cNvGrpSpPr/>
-        <p:nvPr/>
-      </p:nvGrpSpPr>
-      <p:grpSpPr>
-        <a:xfrm>
-          <a:off x="0" y="0"/>
-          <a:ext cx="0" cy="0"/>
-          <a:chOff x="0" y="0"/>
-          <a:chExt cx="0" cy="0"/>
-        </a:xfrm>
-      </p:grpSpPr>
-      <p:sp>
-        <p:nvSpPr>
-          <p:cNvPr id="2" name="Title 1"/>
-          <p:cNvSpPr>
-            <a:spLocks noGrp="1"/>
-          </p:cNvSpPr>
-          <p:nvPr>
-            <p:ph type="title"/>
-          </p:nvPr>
-        </p:nvSpPr>
-        <p:spPr/>
-        <p:txBody>
-          <a:bodyPr/>
-          <a:lstStyle/>
-          <a:p>
-            <a:endParaRPr lang="en-CA"/>
-          </a:p>
-        </p:txBody>
-      </p:sp>
-      <p:pic>
-        <p:nvPicPr>
-          <p:cNvPr id="7" name="Content Placeholder 6"/>
-          <p:cNvPicPr>
-            <a:picLocks noGrp="1" noChangeAspect="1"/>
-          </p:cNvPicPr>
-          <p:nvPr>
-            <p:ph idx="1"/>
-          </p:nvPr>
-        </p:nvPicPr>
-        <p:blipFill>
-          <a:blip r:embed="rId2">
-            <a:extLst>
-              <a:ext uri="{28A0092B-C50C-407E-A947-70E740481C1C}">
-                <a14:useLocalDpi xmlns:a14="http://schemas.microsoft.com/office/drawing/2010/main" val="0"/>
-              </a:ext>
-            </a:extLst>
-          </a:blip>
-          <a:stretch>
-            <a:fillRect/>
-          </a:stretch>
-        </p:blipFill>
-        <p:spPr>
-          <a:xfrm>
-            <a:off x="455999" y="118123"/>
-            <a:ext cx="11067308" cy="6660326"/>
-          </a:xfrm>
-        </p:spPr>
-      </p:pic>
-      <mc:AlternateContent xmlns:mc="http://schemas.openxmlformats.org/markup-compatibility/2006">
-        <mc:Choice xmlns:p14="http://schemas.microsoft.com/office/powerpoint/2010/main" Requires="p14">
-          <p:contentPart p14:bwMode="auto" r:id="rId3">
-            <p14:nvContentPartPr>
-              <p14:cNvPr id="5" name="Ink 4"/>
-              <p14:cNvContentPartPr/>
-              <p14:nvPr/>
-            </p14:nvContentPartPr>
-            <p14:xfrm>
-              <a:off x="1726401" y="1292715"/>
-              <a:ext cx="360" cy="360"/>
-            </p14:xfrm>
-          </p:contentPart>
-        </mc:Choice>
-        <mc:Fallback>
-          <p:pic>
-            <p:nvPicPr>
-              <p:cNvPr id="5" name="Ink 4"/>
-              <p:cNvPicPr/>
-              <p:nvPr/>
-            </p:nvPicPr>
-            <p:blipFill>
-              <a:blip r:embed="rId4"/>
-              <a:stretch>
-                <a:fillRect/>
-              </a:stretch>
-            </p:blipFill>
-            <p:spPr>
-              <a:xfrm>
-                <a:off x="1720281" y="1286595"/>
-                <a:ext cx="12600" cy="12600"/>
-              </a:xfrm>
-              <a:prstGeom prst="rect">
-                <a:avLst/>
-              </a:prstGeom>
-            </p:spPr>
-          </p:pic>
-        </mc:Fallback>
-      </mc:AlternateContent>
-      <mc:AlternateContent xmlns:mc="http://schemas.openxmlformats.org/markup-compatibility/2006">
-        <mc:Choice xmlns:p14="http://schemas.microsoft.com/office/powerpoint/2010/main" Requires="p14">
-          <p:contentPart p14:bwMode="auto" r:id="rId5">
-            <p14:nvContentPartPr>
-              <p14:cNvPr id="12" name="Ink 11"/>
-              <p14:cNvContentPartPr/>
-              <p14:nvPr/>
-            </p14:nvContentPartPr>
-            <p14:xfrm>
-              <a:off x="5722020" y="280230"/>
-              <a:ext cx="260280" cy="462600"/>
-            </p14:xfrm>
-          </p:contentPart>
-        </mc:Choice>
-        <mc:Fallback>
-          <p:pic>
-            <p:nvPicPr>
-              <p:cNvPr id="12" name="Ink 11"/>
-              <p:cNvPicPr/>
-              <p:nvPr/>
-            </p:nvPicPr>
-            <p:blipFill>
-              <a:blip r:embed="rId6"/>
-              <a:stretch>
-                <a:fillRect/>
-              </a:stretch>
-            </p:blipFill>
-            <p:spPr>
-              <a:xfrm>
-                <a:off x="5709060" y="268350"/>
-                <a:ext cx="285840" cy="487080"/>
-              </a:xfrm>
-              <a:prstGeom prst="rect">
-                <a:avLst/>
-              </a:prstGeom>
-            </p:spPr>
-          </p:pic>
-        </mc:Fallback>
-      </mc:AlternateContent>
-    </p:spTree>
-    <p:extLst>
-      <p:ext uri="{BB962C8B-B14F-4D97-AF65-F5344CB8AC3E}">
-        <p14:creationId xmlns:p14="http://schemas.microsoft.com/office/powerpoint/2010/main" val="4019240520"/>
-      </p:ext>
-    </p:extLst>
-  </p:cSld>
-  <p:clrMapOvr>
-    <a:masterClrMapping/>
-  </p:clrMapOvr>
-</p:sld>
-</file>
-
-<file path=ppt/slides/slide6.xml><?xml version="1.0" encoding="utf-8"?>
-<p:sld xmlns:a="http://schemas.openxmlformats.org/drawingml/2006/main" xmlns:r="http://schemas.openxmlformats.org/officeDocument/2006/relationships" xmlns:p="http://schemas.openxmlformats.org/presentationml/2006/main">
-  <p:cSld>
-    <p:spTree>
-      <p:nvGrpSpPr>
-        <p:cNvPr id="1" name=""/>
-        <p:cNvGrpSpPr/>
-        <p:nvPr/>
-      </p:nvGrpSpPr>
-      <p:grpSpPr>
-        <a:xfrm>
-          <a:off x="0" y="0"/>
-          <a:ext cx="0" cy="0"/>
-          <a:chOff x="0" y="0"/>
-          <a:chExt cx="0" cy="0"/>
-        </a:xfrm>
-      </p:grpSpPr>
-      <p:sp>
-        <p:nvSpPr>
-          <p:cNvPr id="2" name="Title 1"/>
-          <p:cNvSpPr>
-            <a:spLocks noGrp="1"/>
-          </p:cNvSpPr>
-          <p:nvPr>
-            <p:ph type="title"/>
-          </p:nvPr>
-        </p:nvSpPr>
-        <p:spPr/>
-        <p:txBody>
-          <a:bodyPr/>
-          <a:lstStyle/>
-          <a:p>
-            <a:r>
-              <a:rPr lang="en-US" dirty="0"/>
-              <a:t>Problems We Ran Into</a:t>
-            </a:r>
-            <a:endParaRPr lang="en-CA" dirty="0"/>
-          </a:p>
-        </p:txBody>
-      </p:sp>
-      <p:sp>
-        <p:nvSpPr>
-          <p:cNvPr id="3" name="Content Placeholder 2"/>
-          <p:cNvSpPr>
-            <a:spLocks noGrp="1"/>
-          </p:cNvSpPr>
-          <p:nvPr>
-            <p:ph idx="1"/>
-          </p:nvPr>
-        </p:nvSpPr>
-        <p:spPr/>
-        <p:txBody>
-          <a:bodyPr>
-            <a:normAutofit/>
-          </a:bodyPr>
-          <a:lstStyle/>
-          <a:p>
-            <a:r>
-              <a:rPr lang="en-US" dirty="0"/>
-              <a:t>Understanding how to properly load and draw our stored values from the RAM, the address was being displayed one clock cycle too late</a:t>
-            </a:r>
-          </a:p>
-          <a:p>
-            <a:pPr lvl="1"/>
-            <a:r>
-              <a:rPr lang="en-US" dirty="0"/>
-              <a:t>In order to fix this we implemented wait states to load the addresses before trying to read from the address in the RAM</a:t>
-            </a:r>
-          </a:p>
-          <a:p>
-            <a:pPr lvl="1"/>
-            <a:endParaRPr lang="en-US" dirty="0"/>
-          </a:p>
-          <a:p>
-            <a:r>
-              <a:rPr lang="en-US" dirty="0"/>
-              <a:t>Trying to load .bmp files and drawing them on the screen, the pictures were being draw much differently then we expected</a:t>
-            </a:r>
-          </a:p>
-          <a:p>
-            <a:pPr lvl="1"/>
-            <a:r>
-              <a:rPr lang="en-US" dirty="0"/>
-              <a:t>This was an issue because the way we implemented the coordinates of the Snake initially was by concatenating the values of x and y and storing it in some address of the RAM, however the values were actually stored as the absolute pixel number</a:t>
-            </a:r>
-          </a:p>
-          <a:p>
-            <a:endParaRPr lang="en-CA" dirty="0"/>
-          </a:p>
-        </p:txBody>
-      </p:sp>
-    </p:spTree>
-    <p:extLst>
-      <p:ext uri="{BB962C8B-B14F-4D97-AF65-F5344CB8AC3E}">
-        <p14:creationId xmlns:p14="http://schemas.microsoft.com/office/powerpoint/2010/main" val="3279665488"/>
-      </p:ext>
-    </p:extLst>
-  </p:cSld>
-  <p:clrMapOvr>
-    <a:masterClrMapping/>
-  </p:clrMapOvr>
-</p:sld>
-</file>
-
-<file path=ppt/slides/slide7.xml><?xml version="1.0" encoding="utf-8"?>
-<p:sld xmlns:a="http://schemas.openxmlformats.org/drawingml/2006/main" xmlns:r="http://schemas.openxmlformats.org/officeDocument/2006/relationships" xmlns:p="http://schemas.openxmlformats.org/presentationml/2006/main">
-  <p:cSld>
-    <p:spTree>
-      <p:nvGrpSpPr>
-        <p:cNvPr id="1" name=""/>
-        <p:cNvGrpSpPr/>
-        <p:nvPr/>
-      </p:nvGrpSpPr>
-      <p:grpSpPr>
-        <a:xfrm>
-          <a:off x="0" y="0"/>
-          <a:ext cx="0" cy="0"/>
-          <a:chOff x="0" y="0"/>
-          <a:chExt cx="0" cy="0"/>
-        </a:xfrm>
-      </p:grpSpPr>
-      <p:sp>
-        <p:nvSpPr>
-          <p:cNvPr id="2" name="Title 1"/>
-          <p:cNvSpPr>
-            <a:spLocks noGrp="1"/>
-          </p:cNvSpPr>
-          <p:nvPr>
-            <p:ph type="title"/>
-          </p:nvPr>
-        </p:nvSpPr>
-        <p:spPr/>
-        <p:txBody>
-          <a:bodyPr/>
-          <a:lstStyle/>
-          <a:p>
-            <a:r>
-              <a:rPr lang="en-US" dirty="0"/>
               <a:t>Summary Table</a:t>
             </a:r>
             <a:endParaRPr lang="en-CA" dirty="0"/>
@@ -6487,7 +5917,7 @@
             <p:ph idx="1"/>
             <p:extLst>
               <p:ext uri="{D42A27DB-BD31-4B8C-83A1-F6EECF244321}">
-                <p14:modId xmlns:p14="http://schemas.microsoft.com/office/powerpoint/2010/main" val="2329511201"/>
+                <p14:modId xmlns:p14="http://schemas.microsoft.com/office/powerpoint/2010/main" val="237966388"/>
               </p:ext>
             </p:extLst>
           </p:nvPr>
@@ -6619,6 +6049,12 @@
                         <a:rPr lang="en-US" baseline="0" dirty="0"/>
                         <a:t>Snake Datapath</a:t>
                       </a:r>
+                    </a:p>
+                    <a:p>
+                      <a:r>
+                        <a:rPr lang="en-US" baseline="0" dirty="0"/>
+                        <a:t>Direction control</a:t>
+                      </a:r>
                       <a:endParaRPr lang="en-CA" dirty="0"/>
                     </a:p>
                   </a:txBody>
@@ -6638,6 +6074,871 @@
     <p:extLst>
       <p:ext uri="{BB962C8B-B14F-4D97-AF65-F5344CB8AC3E}">
         <p14:creationId xmlns:p14="http://schemas.microsoft.com/office/powerpoint/2010/main" val="2827597612"/>
+      </p:ext>
+    </p:extLst>
+  </p:cSld>
+  <p:clrMapOvr>
+    <a:masterClrMapping/>
+  </p:clrMapOvr>
+</p:sld>
+</file>
+
+<file path=ppt/slides/slide2.xml><?xml version="1.0" encoding="utf-8"?>
+<p:sld xmlns:a="http://schemas.openxmlformats.org/drawingml/2006/main" xmlns:r="http://schemas.openxmlformats.org/officeDocument/2006/relationships" xmlns:p="http://schemas.openxmlformats.org/presentationml/2006/main">
+  <p:cSld>
+    <p:spTree>
+      <p:nvGrpSpPr>
+        <p:cNvPr id="1" name=""/>
+        <p:cNvGrpSpPr/>
+        <p:nvPr/>
+      </p:nvGrpSpPr>
+      <p:grpSpPr>
+        <a:xfrm>
+          <a:off x="0" y="0"/>
+          <a:ext cx="0" cy="0"/>
+          <a:chOff x="0" y="0"/>
+          <a:chExt cx="0" cy="0"/>
+        </a:xfrm>
+      </p:grpSpPr>
+      <p:sp>
+        <p:nvSpPr>
+          <p:cNvPr id="2" name="Title 1"/>
+          <p:cNvSpPr>
+            <a:spLocks noGrp="1"/>
+          </p:cNvSpPr>
+          <p:nvPr>
+            <p:ph type="title"/>
+          </p:nvPr>
+        </p:nvSpPr>
+        <p:spPr>
+          <a:xfrm>
+            <a:off x="838200" y="365125"/>
+            <a:ext cx="10515600" cy="6054725"/>
+          </a:xfrm>
+        </p:spPr>
+        <p:txBody>
+          <a:bodyPr/>
+          <a:lstStyle/>
+          <a:p>
+            <a:pPr algn="ctr"/>
+            <a:r>
+              <a:rPr lang="en-US" dirty="0"/>
+              <a:t>Block Diagram</a:t>
+            </a:r>
+            <a:endParaRPr lang="en-CA" dirty="0"/>
+          </a:p>
+        </p:txBody>
+      </p:sp>
+    </p:spTree>
+    <p:extLst>
+      <p:ext uri="{BB962C8B-B14F-4D97-AF65-F5344CB8AC3E}">
+        <p14:creationId xmlns:p14="http://schemas.microsoft.com/office/powerpoint/2010/main" val="1187430774"/>
+      </p:ext>
+    </p:extLst>
+  </p:cSld>
+  <p:clrMapOvr>
+    <a:masterClrMapping/>
+  </p:clrMapOvr>
+</p:sld>
+</file>
+
+<file path=ppt/slides/slide3.xml><?xml version="1.0" encoding="utf-8"?>
+<p:sld xmlns:a="http://schemas.openxmlformats.org/drawingml/2006/main" xmlns:r="http://schemas.openxmlformats.org/officeDocument/2006/relationships" xmlns:p="http://schemas.openxmlformats.org/presentationml/2006/main">
+  <p:cSld>
+    <p:spTree>
+      <p:nvGrpSpPr>
+        <p:cNvPr id="1" name=""/>
+        <p:cNvGrpSpPr/>
+        <p:nvPr/>
+      </p:nvGrpSpPr>
+      <p:grpSpPr>
+        <a:xfrm>
+          <a:off x="0" y="0"/>
+          <a:ext cx="0" cy="0"/>
+          <a:chOff x="0" y="0"/>
+          <a:chExt cx="0" cy="0"/>
+        </a:xfrm>
+      </p:grpSpPr>
+      <p:pic>
+        <p:nvPicPr>
+          <p:cNvPr id="4" name="Content Placeholder 3"/>
+          <p:cNvPicPr>
+            <a:picLocks noGrp="1" noChangeAspect="1"/>
+          </p:cNvPicPr>
+          <p:nvPr>
+            <p:ph idx="1"/>
+          </p:nvPr>
+        </p:nvPicPr>
+        <p:blipFill>
+          <a:blip r:embed="rId2">
+            <a:extLst>
+              <a:ext uri="{28A0092B-C50C-407E-A947-70E740481C1C}">
+                <a14:useLocalDpi xmlns:a14="http://schemas.microsoft.com/office/drawing/2010/main" val="0"/>
+              </a:ext>
+            </a:extLst>
+          </a:blip>
+          <a:stretch>
+            <a:fillRect/>
+          </a:stretch>
+        </p:blipFill>
+        <p:spPr>
+          <a:xfrm>
+            <a:off x="1385015" y="154139"/>
+            <a:ext cx="9421969" cy="6612977"/>
+          </a:xfrm>
+        </p:spPr>
+      </p:pic>
+    </p:spTree>
+    <p:extLst>
+      <p:ext uri="{BB962C8B-B14F-4D97-AF65-F5344CB8AC3E}">
+        <p14:creationId xmlns:p14="http://schemas.microsoft.com/office/powerpoint/2010/main" val="1084344004"/>
+      </p:ext>
+    </p:extLst>
+  </p:cSld>
+  <p:clrMapOvr>
+    <a:masterClrMapping/>
+  </p:clrMapOvr>
+</p:sld>
+</file>
+
+<file path=ppt/slides/slide4.xml><?xml version="1.0" encoding="utf-8"?>
+<p:sld xmlns:a="http://schemas.openxmlformats.org/drawingml/2006/main" xmlns:r="http://schemas.openxmlformats.org/officeDocument/2006/relationships" xmlns:p="http://schemas.openxmlformats.org/presentationml/2006/main">
+  <p:cSld>
+    <p:spTree>
+      <p:nvGrpSpPr>
+        <p:cNvPr id="1" name=""/>
+        <p:cNvGrpSpPr/>
+        <p:nvPr/>
+      </p:nvGrpSpPr>
+      <p:grpSpPr>
+        <a:xfrm>
+          <a:off x="0" y="0"/>
+          <a:ext cx="0" cy="0"/>
+          <a:chOff x="0" y="0"/>
+          <a:chExt cx="0" cy="0"/>
+        </a:xfrm>
+      </p:grpSpPr>
+      <p:sp>
+        <p:nvSpPr>
+          <p:cNvPr id="2" name="Title 1"/>
+          <p:cNvSpPr>
+            <a:spLocks noGrp="1"/>
+          </p:cNvSpPr>
+          <p:nvPr>
+            <p:ph type="title"/>
+          </p:nvPr>
+        </p:nvSpPr>
+        <p:spPr/>
+        <p:txBody>
+          <a:bodyPr/>
+          <a:lstStyle/>
+          <a:p>
+            <a:r>
+              <a:rPr lang="en-US" dirty="0"/>
+              <a:t>Snake Drawing FSM</a:t>
+            </a:r>
+            <a:endParaRPr lang="en-CA" dirty="0"/>
+          </a:p>
+        </p:txBody>
+      </p:sp>
+      <p:sp>
+        <p:nvSpPr>
+          <p:cNvPr id="3" name="Content Placeholder 2"/>
+          <p:cNvSpPr>
+            <a:spLocks noGrp="1"/>
+          </p:cNvSpPr>
+          <p:nvPr>
+            <p:ph idx="1"/>
+          </p:nvPr>
+        </p:nvSpPr>
+        <p:spPr/>
+        <p:txBody>
+          <a:bodyPr/>
+          <a:lstStyle/>
+          <a:p>
+            <a:r>
+              <a:rPr lang="en-US" dirty="0"/>
+              <a:t>First load initial positions of the Snake into the RAM in the form {x, y}</a:t>
+            </a:r>
+          </a:p>
+          <a:p>
+            <a:r>
+              <a:rPr lang="en-US" dirty="0"/>
+              <a:t>Draw from the RAM the current positions iterating through the first (length) positions</a:t>
+            </a:r>
+          </a:p>
+          <a:p>
+            <a:r>
+              <a:rPr lang="en-US" dirty="0"/>
+              <a:t>Update the position of the HEAD based on the direction the user has currently selected</a:t>
+            </a:r>
+          </a:p>
+          <a:p>
+            <a:r>
+              <a:rPr lang="en-US" dirty="0"/>
+              <a:t>Draw the new HEAD</a:t>
+            </a:r>
+          </a:p>
+          <a:p>
+            <a:r>
+              <a:rPr lang="en-US" dirty="0"/>
+              <a:t>Erase the previous position of the TAIL by drawing over it with black</a:t>
+            </a:r>
+          </a:p>
+          <a:p>
+            <a:endParaRPr lang="en-US" dirty="0"/>
+          </a:p>
+        </p:txBody>
+      </p:sp>
+    </p:spTree>
+    <p:extLst>
+      <p:ext uri="{BB962C8B-B14F-4D97-AF65-F5344CB8AC3E}">
+        <p14:creationId xmlns:p14="http://schemas.microsoft.com/office/powerpoint/2010/main" val="1804336298"/>
+      </p:ext>
+    </p:extLst>
+  </p:cSld>
+  <p:clrMapOvr>
+    <a:masterClrMapping/>
+  </p:clrMapOvr>
+</p:sld>
+</file>
+
+<file path=ppt/slides/slide5.xml><?xml version="1.0" encoding="utf-8"?>
+<p:sld xmlns:a="http://schemas.openxmlformats.org/drawingml/2006/main" xmlns:r="http://schemas.openxmlformats.org/officeDocument/2006/relationships" xmlns:p="http://schemas.openxmlformats.org/presentationml/2006/main">
+  <p:cSld>
+    <p:spTree>
+      <p:nvGrpSpPr>
+        <p:cNvPr id="1" name=""/>
+        <p:cNvGrpSpPr/>
+        <p:nvPr/>
+      </p:nvGrpSpPr>
+      <p:grpSpPr>
+        <a:xfrm>
+          <a:off x="0" y="0"/>
+          <a:ext cx="0" cy="0"/>
+          <a:chOff x="0" y="0"/>
+          <a:chExt cx="0" cy="0"/>
+        </a:xfrm>
+      </p:grpSpPr>
+      <p:pic>
+        <p:nvPicPr>
+          <p:cNvPr id="4" name="Content Placeholder 3"/>
+          <p:cNvPicPr>
+            <a:picLocks noGrp="1" noChangeAspect="1"/>
+          </p:cNvPicPr>
+          <p:nvPr>
+            <p:ph idx="1"/>
+          </p:nvPr>
+        </p:nvPicPr>
+        <p:blipFill>
+          <a:blip r:embed="rId2">
+            <a:extLst>
+              <a:ext uri="{28A0092B-C50C-407E-A947-70E740481C1C}">
+                <a14:useLocalDpi xmlns:a14="http://schemas.microsoft.com/office/drawing/2010/main" val="0"/>
+              </a:ext>
+            </a:extLst>
+          </a:blip>
+          <a:stretch>
+            <a:fillRect/>
+          </a:stretch>
+        </p:blipFill>
+        <p:spPr>
+          <a:xfrm>
+            <a:off x="476366" y="642551"/>
+            <a:ext cx="10627567" cy="5670504"/>
+          </a:xfrm>
+          <a:prstGeom prst="rect">
+            <a:avLst/>
+          </a:prstGeom>
+          <a:solidFill>
+            <a:srgbClr val="FFFFFF">
+              <a:shade val="85000"/>
+            </a:srgbClr>
+          </a:solidFill>
+          <a:ln w="88900" cap="sq">
+            <a:solidFill>
+              <a:srgbClr val="FFFFFF"/>
+            </a:solidFill>
+            <a:miter lim="800000"/>
+          </a:ln>
+          <a:effectLst>
+            <a:outerShdw blurRad="55000" dist="18000" dir="5400000" algn="tl" rotWithShape="0">
+              <a:srgbClr val="000000">
+                <a:alpha val="40000"/>
+              </a:srgbClr>
+            </a:outerShdw>
+          </a:effectLst>
+          <a:scene3d>
+            <a:camera prst="orthographicFront"/>
+            <a:lightRig rig="twoPt" dir="t">
+              <a:rot lat="0" lon="0" rev="7200000"/>
+            </a:lightRig>
+          </a:scene3d>
+          <a:sp3d>
+            <a:bevelT w="25400" h="19050"/>
+            <a:contourClr>
+              <a:srgbClr val="FFFFFF"/>
+            </a:contourClr>
+          </a:sp3d>
+        </p:spPr>
+      </p:pic>
+    </p:spTree>
+    <p:extLst>
+      <p:ext uri="{BB962C8B-B14F-4D97-AF65-F5344CB8AC3E}">
+        <p14:creationId xmlns:p14="http://schemas.microsoft.com/office/powerpoint/2010/main" val="3966757604"/>
+      </p:ext>
+    </p:extLst>
+  </p:cSld>
+  <p:clrMapOvr>
+    <a:masterClrMapping/>
+  </p:clrMapOvr>
+</p:sld>
+</file>
+
+<file path=ppt/slides/slide6.xml><?xml version="1.0" encoding="utf-8"?>
+<p:sld xmlns:a="http://schemas.openxmlformats.org/drawingml/2006/main" xmlns:r="http://schemas.openxmlformats.org/officeDocument/2006/relationships" xmlns:p="http://schemas.openxmlformats.org/presentationml/2006/main">
+  <p:cSld>
+    <p:spTree>
+      <p:nvGrpSpPr>
+        <p:cNvPr id="1" name=""/>
+        <p:cNvGrpSpPr/>
+        <p:nvPr/>
+      </p:nvGrpSpPr>
+      <p:grpSpPr>
+        <a:xfrm>
+          <a:off x="0" y="0"/>
+          <a:ext cx="0" cy="0"/>
+          <a:chOff x="0" y="0"/>
+          <a:chExt cx="0" cy="0"/>
+        </a:xfrm>
+      </p:grpSpPr>
+      <p:sp>
+        <p:nvSpPr>
+          <p:cNvPr id="2" name="Title 1"/>
+          <p:cNvSpPr>
+            <a:spLocks noGrp="1"/>
+          </p:cNvSpPr>
+          <p:nvPr>
+            <p:ph type="title"/>
+          </p:nvPr>
+        </p:nvSpPr>
+        <p:spPr/>
+        <p:txBody>
+          <a:bodyPr/>
+          <a:lstStyle/>
+          <a:p>
+            <a:r>
+              <a:rPr lang="en-US" dirty="0"/>
+              <a:t>Game State FSM</a:t>
+            </a:r>
+            <a:endParaRPr lang="en-CA" dirty="0"/>
+          </a:p>
+        </p:txBody>
+      </p:sp>
+      <p:sp>
+        <p:nvSpPr>
+          <p:cNvPr id="3" name="Content Placeholder 2"/>
+          <p:cNvSpPr>
+            <a:spLocks noGrp="1"/>
+          </p:cNvSpPr>
+          <p:nvPr>
+            <p:ph idx="1"/>
+          </p:nvPr>
+        </p:nvSpPr>
+        <p:spPr/>
+        <p:txBody>
+          <a:bodyPr/>
+          <a:lstStyle/>
+          <a:p>
+            <a:r>
+              <a:rPr lang="en-US" dirty="0"/>
+              <a:t>Determines what is drawn on the screen</a:t>
+            </a:r>
+          </a:p>
+          <a:p>
+            <a:r>
+              <a:rPr lang="en-US" dirty="0"/>
+              <a:t>Transitions on user input / losing</a:t>
+            </a:r>
+          </a:p>
+          <a:p>
+            <a:r>
+              <a:rPr lang="en-US" dirty="0"/>
+              <a:t>Title and Game Over screen are bmp images</a:t>
+            </a:r>
+          </a:p>
+          <a:p>
+            <a:r>
+              <a:rPr lang="en-US" dirty="0"/>
+              <a:t>Animation is done by determining which ram</a:t>
+            </a:r>
+          </a:p>
+          <a:p>
+            <a:pPr marL="0" indent="0">
+              <a:buNone/>
+            </a:pPr>
+            <a:r>
+              <a:rPr lang="en-US" dirty="0"/>
+              <a:t>to read from inside the Datapath module</a:t>
+            </a:r>
+          </a:p>
+        </p:txBody>
+      </p:sp>
+      <p:graphicFrame>
+        <p:nvGraphicFramePr>
+          <p:cNvPr id="17" name="Diagram 16"/>
+          <p:cNvGraphicFramePr/>
+          <p:nvPr>
+            <p:extLst>
+              <p:ext uri="{D42A27DB-BD31-4B8C-83A1-F6EECF244321}">
+                <p14:modId xmlns:p14="http://schemas.microsoft.com/office/powerpoint/2010/main" val="1204173011"/>
+              </p:ext>
+            </p:extLst>
+          </p:nvPr>
+        </p:nvGraphicFramePr>
+        <p:xfrm>
+          <a:off x="5829643" y="2420100"/>
+          <a:ext cx="6362357" cy="3625793"/>
+        </p:xfrm>
+        <a:graphic>
+          <a:graphicData uri="http://schemas.openxmlformats.org/drawingml/2006/diagram">
+            <dgm:relIds xmlns:dgm="http://schemas.openxmlformats.org/drawingml/2006/diagram" xmlns:r="http://schemas.openxmlformats.org/officeDocument/2006/relationships" r:dm="rId2" r:lo="rId3" r:qs="rId4" r:cs="rId5"/>
+          </a:graphicData>
+        </a:graphic>
+      </p:graphicFrame>
+    </p:spTree>
+    <p:extLst>
+      <p:ext uri="{BB962C8B-B14F-4D97-AF65-F5344CB8AC3E}">
+        <p14:creationId xmlns:p14="http://schemas.microsoft.com/office/powerpoint/2010/main" val="2760622417"/>
+      </p:ext>
+    </p:extLst>
+  </p:cSld>
+  <p:clrMapOvr>
+    <a:masterClrMapping/>
+  </p:clrMapOvr>
+</p:sld>
+</file>
+
+<file path=ppt/slides/slide7.xml><?xml version="1.0" encoding="utf-8"?>
+<p:sld xmlns:a="http://schemas.openxmlformats.org/drawingml/2006/main" xmlns:r="http://schemas.openxmlformats.org/officeDocument/2006/relationships" xmlns:p="http://schemas.openxmlformats.org/presentationml/2006/main">
+  <p:cSld>
+    <p:spTree>
+      <p:nvGrpSpPr>
+        <p:cNvPr id="1" name=""/>
+        <p:cNvGrpSpPr/>
+        <p:nvPr/>
+      </p:nvGrpSpPr>
+      <p:grpSpPr>
+        <a:xfrm>
+          <a:off x="0" y="0"/>
+          <a:ext cx="0" cy="0"/>
+          <a:chOff x="0" y="0"/>
+          <a:chExt cx="0" cy="0"/>
+        </a:xfrm>
+      </p:grpSpPr>
+      <p:sp>
+        <p:nvSpPr>
+          <p:cNvPr id="2" name="Title 1"/>
+          <p:cNvSpPr>
+            <a:spLocks noGrp="1"/>
+          </p:cNvSpPr>
+          <p:nvPr>
+            <p:ph type="title"/>
+          </p:nvPr>
+        </p:nvSpPr>
+        <p:spPr/>
+        <p:txBody>
+          <a:bodyPr/>
+          <a:lstStyle/>
+          <a:p>
+            <a:endParaRPr lang="en-CA"/>
+          </a:p>
+        </p:txBody>
+      </p:sp>
+      <p:pic>
+        <p:nvPicPr>
+          <p:cNvPr id="7" name="Content Placeholder 6"/>
+          <p:cNvPicPr>
+            <a:picLocks noGrp="1" noChangeAspect="1"/>
+          </p:cNvPicPr>
+          <p:nvPr>
+            <p:ph idx="1"/>
+          </p:nvPr>
+        </p:nvPicPr>
+        <p:blipFill>
+          <a:blip r:embed="rId2">
+            <a:extLst>
+              <a:ext uri="{28A0092B-C50C-407E-A947-70E740481C1C}">
+                <a14:useLocalDpi xmlns:a14="http://schemas.microsoft.com/office/drawing/2010/main" val="0"/>
+              </a:ext>
+            </a:extLst>
+          </a:blip>
+          <a:stretch>
+            <a:fillRect/>
+          </a:stretch>
+        </p:blipFill>
+        <p:spPr>
+          <a:xfrm>
+            <a:off x="455999" y="118123"/>
+            <a:ext cx="11067308" cy="6660326"/>
+          </a:xfrm>
+        </p:spPr>
+      </p:pic>
+      <mc:AlternateContent xmlns:mc="http://schemas.openxmlformats.org/markup-compatibility/2006" xmlns:p14="http://schemas.microsoft.com/office/powerpoint/2010/main">
+        <mc:Choice Requires="p14">
+          <p:contentPart p14:bwMode="auto" r:id="rId3">
+            <p14:nvContentPartPr>
+              <p14:cNvPr id="5" name="Ink 4"/>
+              <p14:cNvContentPartPr/>
+              <p14:nvPr/>
+            </p14:nvContentPartPr>
+            <p14:xfrm>
+              <a:off x="1726401" y="1292715"/>
+              <a:ext cx="360" cy="360"/>
+            </p14:xfrm>
+          </p:contentPart>
+        </mc:Choice>
+        <mc:Fallback xmlns="">
+          <p:pic>
+            <p:nvPicPr>
+              <p:cNvPr id="5" name="Ink 4"/>
+              <p:cNvPicPr/>
+              <p:nvPr/>
+            </p:nvPicPr>
+            <p:blipFill>
+              <a:blip r:embed="rId4"/>
+              <a:stretch>
+                <a:fillRect/>
+              </a:stretch>
+            </p:blipFill>
+            <p:spPr>
+              <a:xfrm>
+                <a:off x="1720281" y="1286595"/>
+                <a:ext cx="12600" cy="12600"/>
+              </a:xfrm>
+              <a:prstGeom prst="rect">
+                <a:avLst/>
+              </a:prstGeom>
+            </p:spPr>
+          </p:pic>
+        </mc:Fallback>
+      </mc:AlternateContent>
+      <mc:AlternateContent xmlns:mc="http://schemas.openxmlformats.org/markup-compatibility/2006" xmlns:p14="http://schemas.microsoft.com/office/powerpoint/2010/main">
+        <mc:Choice Requires="p14">
+          <p:contentPart p14:bwMode="auto" r:id="rId5">
+            <p14:nvContentPartPr>
+              <p14:cNvPr id="12" name="Ink 11"/>
+              <p14:cNvContentPartPr/>
+              <p14:nvPr/>
+            </p14:nvContentPartPr>
+            <p14:xfrm>
+              <a:off x="5722020" y="280230"/>
+              <a:ext cx="260280" cy="462600"/>
+            </p14:xfrm>
+          </p:contentPart>
+        </mc:Choice>
+        <mc:Fallback xmlns="">
+          <p:pic>
+            <p:nvPicPr>
+              <p:cNvPr id="12" name="Ink 11"/>
+              <p:cNvPicPr/>
+              <p:nvPr/>
+            </p:nvPicPr>
+            <p:blipFill>
+              <a:blip r:embed="rId6"/>
+              <a:stretch>
+                <a:fillRect/>
+              </a:stretch>
+            </p:blipFill>
+            <p:spPr>
+              <a:xfrm>
+                <a:off x="5709060" y="268350"/>
+                <a:ext cx="285840" cy="487080"/>
+              </a:xfrm>
+              <a:prstGeom prst="rect">
+                <a:avLst/>
+              </a:prstGeom>
+            </p:spPr>
+          </p:pic>
+        </mc:Fallback>
+      </mc:AlternateContent>
+    </p:spTree>
+    <p:extLst>
+      <p:ext uri="{BB962C8B-B14F-4D97-AF65-F5344CB8AC3E}">
+        <p14:creationId xmlns:p14="http://schemas.microsoft.com/office/powerpoint/2010/main" val="4019240520"/>
+      </p:ext>
+    </p:extLst>
+  </p:cSld>
+  <p:clrMapOvr>
+    <a:masterClrMapping/>
+  </p:clrMapOvr>
+</p:sld>
+</file>
+
+<file path=ppt/slides/slide8.xml><?xml version="1.0" encoding="utf-8"?>
+<p:sld xmlns:a="http://schemas.openxmlformats.org/drawingml/2006/main" xmlns:r="http://schemas.openxmlformats.org/officeDocument/2006/relationships" xmlns:p="http://schemas.openxmlformats.org/presentationml/2006/main">
+  <p:cSld>
+    <p:spTree>
+      <p:nvGrpSpPr>
+        <p:cNvPr id="1" name=""/>
+        <p:cNvGrpSpPr/>
+        <p:nvPr/>
+      </p:nvGrpSpPr>
+      <p:grpSpPr>
+        <a:xfrm>
+          <a:off x="0" y="0"/>
+          <a:ext cx="0" cy="0"/>
+          <a:chOff x="0" y="0"/>
+          <a:chExt cx="0" cy="0"/>
+        </a:xfrm>
+      </p:grpSpPr>
+      <p:sp>
+        <p:nvSpPr>
+          <p:cNvPr id="2" name="Title 1"/>
+          <p:cNvSpPr>
+            <a:spLocks noGrp="1"/>
+          </p:cNvSpPr>
+          <p:nvPr>
+            <p:ph type="title"/>
+          </p:nvPr>
+        </p:nvSpPr>
+        <p:spPr/>
+        <p:txBody>
+          <a:bodyPr/>
+          <a:lstStyle/>
+          <a:p>
+            <a:r>
+              <a:rPr lang="en-US" dirty="0"/>
+              <a:t>Problems We Ran Into</a:t>
+            </a:r>
+            <a:endParaRPr lang="en-CA" dirty="0"/>
+          </a:p>
+        </p:txBody>
+      </p:sp>
+      <p:sp>
+        <p:nvSpPr>
+          <p:cNvPr id="3" name="Content Placeholder 2"/>
+          <p:cNvSpPr>
+            <a:spLocks noGrp="1"/>
+          </p:cNvSpPr>
+          <p:nvPr>
+            <p:ph idx="1"/>
+          </p:nvPr>
+        </p:nvSpPr>
+        <p:spPr/>
+        <p:txBody>
+          <a:bodyPr>
+            <a:normAutofit/>
+          </a:bodyPr>
+          <a:lstStyle/>
+          <a:p>
+            <a:r>
+              <a:rPr lang="en-US" dirty="0"/>
+              <a:t>Understanding how to properly load and draw our stored values from the RAM, the address was being displayed one clock cycle too late</a:t>
+            </a:r>
+          </a:p>
+          <a:p>
+            <a:pPr lvl="1"/>
+            <a:r>
+              <a:rPr lang="en-US" dirty="0"/>
+              <a:t>In order to fix this we implemented wait states to load the addresses before trying to read from the address in the RAM</a:t>
+            </a:r>
+          </a:p>
+          <a:p>
+            <a:pPr lvl="1"/>
+            <a:endParaRPr lang="en-US" dirty="0"/>
+          </a:p>
+          <a:p>
+            <a:r>
+              <a:rPr lang="en-US" dirty="0"/>
+              <a:t>Trying to load .bmp files and drawing them on the screen, the pictures were being draw much differently then we expected</a:t>
+            </a:r>
+          </a:p>
+          <a:p>
+            <a:pPr lvl="1"/>
+            <a:r>
+              <a:rPr lang="en-US" dirty="0"/>
+              <a:t>This was an issue because the way we implemented the coordinates of the Snake initially was by concatenating the values of x and y and storing it in some address of the RAM, however the values were actually stored as the absolute pixel number</a:t>
+            </a:r>
+          </a:p>
+          <a:p>
+            <a:endParaRPr lang="en-CA" dirty="0"/>
+          </a:p>
+        </p:txBody>
+      </p:sp>
+    </p:spTree>
+    <p:extLst>
+      <p:ext uri="{BB962C8B-B14F-4D97-AF65-F5344CB8AC3E}">
+        <p14:creationId xmlns:p14="http://schemas.microsoft.com/office/powerpoint/2010/main" val="3279665488"/>
+      </p:ext>
+    </p:extLst>
+  </p:cSld>
+  <p:clrMapOvr>
+    <a:masterClrMapping/>
+  </p:clrMapOvr>
+</p:sld>
+</file>
+
+<file path=ppt/slides/slide9.xml><?xml version="1.0" encoding="utf-8"?>
+<p:sld xmlns:a="http://schemas.openxmlformats.org/drawingml/2006/main" xmlns:r="http://schemas.openxmlformats.org/officeDocument/2006/relationships" xmlns:p="http://schemas.openxmlformats.org/presentationml/2006/main">
+  <p:cSld>
+    <p:spTree>
+      <p:nvGrpSpPr>
+        <p:cNvPr id="1" name=""/>
+        <p:cNvGrpSpPr/>
+        <p:nvPr/>
+      </p:nvGrpSpPr>
+      <p:grpSpPr>
+        <a:xfrm>
+          <a:off x="0" y="0"/>
+          <a:ext cx="0" cy="0"/>
+          <a:chOff x="0" y="0"/>
+          <a:chExt cx="0" cy="0"/>
+        </a:xfrm>
+      </p:grpSpPr>
+      <p:sp>
+        <p:nvSpPr>
+          <p:cNvPr id="2" name="Title 1"/>
+          <p:cNvSpPr>
+            <a:spLocks noGrp="1"/>
+          </p:cNvSpPr>
+          <p:nvPr>
+            <p:ph type="title"/>
+          </p:nvPr>
+        </p:nvSpPr>
+        <p:spPr/>
+        <p:txBody>
+          <a:bodyPr/>
+          <a:lstStyle/>
+          <a:p>
+            <a:r>
+              <a:rPr lang="en-US" dirty="0"/>
+              <a:t>What We Learned	</a:t>
+            </a:r>
+            <a:endParaRPr lang="en-CA" dirty="0"/>
+          </a:p>
+        </p:txBody>
+      </p:sp>
+      <p:sp>
+        <p:nvSpPr>
+          <p:cNvPr id="3" name="Content Placeholder 2"/>
+          <p:cNvSpPr>
+            <a:spLocks noGrp="1"/>
+          </p:cNvSpPr>
+          <p:nvPr>
+            <p:ph idx="1"/>
+          </p:nvPr>
+        </p:nvSpPr>
+        <p:spPr>
+          <a:xfrm>
+            <a:off x="838200" y="1884618"/>
+            <a:ext cx="10515600" cy="4351338"/>
+          </a:xfrm>
+        </p:spPr>
+        <p:txBody>
+          <a:bodyPr/>
+          <a:lstStyle/>
+          <a:p>
+            <a:r>
+              <a:rPr lang="en-US" dirty="0"/>
+              <a:t>How to build a large, complex project with many parts</a:t>
+            </a:r>
+          </a:p>
+          <a:p>
+            <a:pPr lvl="1"/>
+            <a:r>
+              <a:rPr lang="en-US" dirty="0"/>
+              <a:t>Carefully designing and testing individual modules as well as putting them together</a:t>
+            </a:r>
+          </a:p>
+          <a:p>
+            <a:pPr lvl="1"/>
+            <a:r>
+              <a:rPr lang="en-US" dirty="0"/>
+              <a:t>Properly planning out and organizing the workload as well as collaborating through version control software</a:t>
+            </a:r>
+          </a:p>
+          <a:p>
+            <a:pPr lvl="1"/>
+            <a:r>
+              <a:rPr lang="en-US" dirty="0"/>
+              <a:t>Integrating everything that we learned from previous labs</a:t>
+            </a:r>
+          </a:p>
+          <a:p>
+            <a:r>
+              <a:rPr lang="en-US" dirty="0"/>
+              <a:t>First hand experience on working with memory</a:t>
+            </a:r>
+          </a:p>
+          <a:p>
+            <a:pPr lvl="1"/>
+            <a:r>
+              <a:rPr lang="en-US" dirty="0"/>
+              <a:t>Properly loading and reading from RAM in order to draw and update the Snake position</a:t>
+            </a:r>
+          </a:p>
+          <a:p>
+            <a:pPr lvl="1"/>
+            <a:r>
+              <a:rPr lang="en-US" dirty="0"/>
+              <a:t>Drawing from preloaded RAM for images and animations</a:t>
+            </a:r>
+          </a:p>
+          <a:p>
+            <a:pPr lvl="1"/>
+            <a:endParaRPr lang="en-US" dirty="0"/>
+          </a:p>
+          <a:p>
+            <a:pPr marL="457200" lvl="1" indent="0">
+              <a:buNone/>
+            </a:pPr>
+            <a:endParaRPr lang="en-US" dirty="0"/>
+          </a:p>
+          <a:p>
+            <a:pPr marL="457200" lvl="1" indent="0">
+              <a:buNone/>
+            </a:pPr>
+            <a:endParaRPr lang="en-US" dirty="0"/>
+          </a:p>
+          <a:p>
+            <a:pPr lvl="1"/>
+            <a:endParaRPr lang="en-US" dirty="0"/>
+          </a:p>
+          <a:p>
+            <a:pPr lvl="1"/>
+            <a:endParaRPr lang="en-US" dirty="0"/>
+          </a:p>
+          <a:p>
+            <a:pPr lvl="1"/>
+            <a:endParaRPr lang="en-US" dirty="0"/>
+          </a:p>
+          <a:p>
+            <a:pPr lvl="1"/>
+            <a:endParaRPr lang="en-US" dirty="0"/>
+          </a:p>
+          <a:p>
+            <a:pPr lvl="1"/>
+            <a:endParaRPr lang="en-US" dirty="0"/>
+          </a:p>
+          <a:p>
+            <a:pPr lvl="1"/>
+            <a:endParaRPr lang="en-US" dirty="0"/>
+          </a:p>
+          <a:p>
+            <a:pPr lvl="1"/>
+            <a:endParaRPr lang="en-US" dirty="0"/>
+          </a:p>
+          <a:p>
+            <a:pPr lvl="1"/>
+            <a:endParaRPr lang="en-US" dirty="0"/>
+          </a:p>
+        </p:txBody>
+      </p:sp>
+    </p:spTree>
+    <p:extLst>
+      <p:ext uri="{BB962C8B-B14F-4D97-AF65-F5344CB8AC3E}">
+        <p14:creationId xmlns:p14="http://schemas.microsoft.com/office/powerpoint/2010/main" val="1517396002"/>
       </p:ext>
     </p:extLst>
   </p:cSld>

--- a/Other files/CSC258 – Project.pptx
+++ b/Other files/CSC258 – Project.pptx
@@ -12,9 +12,10 @@
     <p:sldId id="257" r:id="rId6"/>
     <p:sldId id="258" r:id="rId7"/>
     <p:sldId id="260" r:id="rId8"/>
-    <p:sldId id="261" r:id="rId9"/>
-    <p:sldId id="264" r:id="rId10"/>
-    <p:sldId id="262" r:id="rId11"/>
+    <p:sldId id="266" r:id="rId9"/>
+    <p:sldId id="261" r:id="rId10"/>
+    <p:sldId id="264" r:id="rId11"/>
+    <p:sldId id="262" r:id="rId12"/>
   </p:sldIdLst>
   <p:sldSz cx="12192000" cy="6858000"/>
   <p:notesSz cx="6858000" cy="9144000"/>
@@ -5901,6 +5902,175 @@
           <a:p>
             <a:r>
               <a:rPr lang="en-US" dirty="0"/>
+              <a:t>What We Learned	</a:t>
+            </a:r>
+            <a:endParaRPr lang="en-CA" dirty="0"/>
+          </a:p>
+        </p:txBody>
+      </p:sp>
+      <p:sp>
+        <p:nvSpPr>
+          <p:cNvPr id="3" name="Content Placeholder 2"/>
+          <p:cNvSpPr>
+            <a:spLocks noGrp="1"/>
+          </p:cNvSpPr>
+          <p:nvPr>
+            <p:ph idx="1"/>
+          </p:nvPr>
+        </p:nvSpPr>
+        <p:spPr>
+          <a:xfrm>
+            <a:off x="838200" y="1884618"/>
+            <a:ext cx="10515600" cy="4351338"/>
+          </a:xfrm>
+        </p:spPr>
+        <p:txBody>
+          <a:bodyPr/>
+          <a:lstStyle/>
+          <a:p>
+            <a:r>
+              <a:rPr lang="en-US" dirty="0"/>
+              <a:t>How to build a large, complex project with many parts</a:t>
+            </a:r>
+          </a:p>
+          <a:p>
+            <a:pPr lvl="1"/>
+            <a:r>
+              <a:rPr lang="en-US" dirty="0"/>
+              <a:t>Carefully designing and testing individual modules as well as putting them together</a:t>
+            </a:r>
+          </a:p>
+          <a:p>
+            <a:pPr lvl="1"/>
+            <a:r>
+              <a:rPr lang="en-US" dirty="0"/>
+              <a:t>Properly planning out and organizing the workload as well as collaborating through version control software</a:t>
+            </a:r>
+          </a:p>
+          <a:p>
+            <a:pPr lvl="1"/>
+            <a:r>
+              <a:rPr lang="en-US" dirty="0"/>
+              <a:t>Integrating everything that we learned from previous labs</a:t>
+            </a:r>
+          </a:p>
+          <a:p>
+            <a:r>
+              <a:rPr lang="en-US" dirty="0"/>
+              <a:t>First hand experience on working with memory</a:t>
+            </a:r>
+          </a:p>
+          <a:p>
+            <a:pPr lvl="1"/>
+            <a:r>
+              <a:rPr lang="en-US" dirty="0"/>
+              <a:t>Properly loading and reading from RAM in order to draw and update the Snake position</a:t>
+            </a:r>
+          </a:p>
+          <a:p>
+            <a:pPr lvl="1"/>
+            <a:r>
+              <a:rPr lang="en-US" dirty="0"/>
+              <a:t>Drawing from preloaded RAM for images and animations</a:t>
+            </a:r>
+          </a:p>
+          <a:p>
+            <a:pPr lvl="1"/>
+            <a:endParaRPr lang="en-US" dirty="0"/>
+          </a:p>
+          <a:p>
+            <a:pPr marL="457200" lvl="1" indent="0">
+              <a:buNone/>
+            </a:pPr>
+            <a:endParaRPr lang="en-US" dirty="0"/>
+          </a:p>
+          <a:p>
+            <a:pPr marL="457200" lvl="1" indent="0">
+              <a:buNone/>
+            </a:pPr>
+            <a:endParaRPr lang="en-US" dirty="0"/>
+          </a:p>
+          <a:p>
+            <a:pPr lvl="1"/>
+            <a:endParaRPr lang="en-US" dirty="0"/>
+          </a:p>
+          <a:p>
+            <a:pPr lvl="1"/>
+            <a:endParaRPr lang="en-US" dirty="0"/>
+          </a:p>
+          <a:p>
+            <a:pPr lvl="1"/>
+            <a:endParaRPr lang="en-US" dirty="0"/>
+          </a:p>
+          <a:p>
+            <a:pPr lvl="1"/>
+            <a:endParaRPr lang="en-US" dirty="0"/>
+          </a:p>
+          <a:p>
+            <a:pPr lvl="1"/>
+            <a:endParaRPr lang="en-US" dirty="0"/>
+          </a:p>
+          <a:p>
+            <a:pPr lvl="1"/>
+            <a:endParaRPr lang="en-US" dirty="0"/>
+          </a:p>
+          <a:p>
+            <a:pPr lvl="1"/>
+            <a:endParaRPr lang="en-US" dirty="0"/>
+          </a:p>
+          <a:p>
+            <a:pPr lvl="1"/>
+            <a:endParaRPr lang="en-US" dirty="0"/>
+          </a:p>
+        </p:txBody>
+      </p:sp>
+    </p:spTree>
+    <p:extLst>
+      <p:ext uri="{BB962C8B-B14F-4D97-AF65-F5344CB8AC3E}">
+        <p14:creationId xmlns:p14="http://schemas.microsoft.com/office/powerpoint/2010/main" val="1517396002"/>
+      </p:ext>
+    </p:extLst>
+  </p:cSld>
+  <p:clrMapOvr>
+    <a:masterClrMapping/>
+  </p:clrMapOvr>
+</p:sld>
+</file>
+
+<file path=ppt/slides/slide11.xml><?xml version="1.0" encoding="utf-8"?>
+<p:sld xmlns:a="http://schemas.openxmlformats.org/drawingml/2006/main" xmlns:r="http://schemas.openxmlformats.org/officeDocument/2006/relationships" xmlns:p="http://schemas.openxmlformats.org/presentationml/2006/main">
+  <p:cSld>
+    <p:spTree>
+      <p:nvGrpSpPr>
+        <p:cNvPr id="1" name=""/>
+        <p:cNvGrpSpPr/>
+        <p:nvPr/>
+      </p:nvGrpSpPr>
+      <p:grpSpPr>
+        <a:xfrm>
+          <a:off x="0" y="0"/>
+          <a:ext cx="0" cy="0"/>
+          <a:chOff x="0" y="0"/>
+          <a:chExt cx="0" cy="0"/>
+        </a:xfrm>
+      </p:grpSpPr>
+      <p:sp>
+        <p:nvSpPr>
+          <p:cNvPr id="2" name="Title 1"/>
+          <p:cNvSpPr>
+            <a:spLocks noGrp="1"/>
+          </p:cNvSpPr>
+          <p:nvPr>
+            <p:ph type="title"/>
+          </p:nvPr>
+        </p:nvSpPr>
+        <p:spPr/>
+        <p:txBody>
+          <a:bodyPr/>
+          <a:lstStyle/>
+          <a:p>
+            <a:r>
+              <a:rPr lang="en-US" dirty="0"/>
               <a:t>Summary Table</a:t>
             </a:r>
             <a:endParaRPr lang="en-CA" dirty="0"/>
@@ -6692,84 +6862,75 @@
           <a:chExt cx="0" cy="0"/>
         </a:xfrm>
       </p:grpSpPr>
-      <p:sp>
-        <p:nvSpPr>
-          <p:cNvPr id="2" name="Title 1"/>
-          <p:cNvSpPr>
-            <a:spLocks noGrp="1"/>
-          </p:cNvSpPr>
-          <p:nvPr>
-            <p:ph type="title"/>
-          </p:nvPr>
-        </p:nvSpPr>
-        <p:spPr/>
-        <p:txBody>
-          <a:bodyPr/>
-          <a:lstStyle/>
-          <a:p>
-            <a:r>
-              <a:rPr lang="en-US" dirty="0"/>
-              <a:t>Problems We Ran Into</a:t>
-            </a:r>
-            <a:endParaRPr lang="en-CA" dirty="0"/>
-          </a:p>
-        </p:txBody>
-      </p:sp>
-      <p:sp>
-        <p:nvSpPr>
-          <p:cNvPr id="3" name="Content Placeholder 2"/>
-          <p:cNvSpPr>
-            <a:spLocks noGrp="1"/>
-          </p:cNvSpPr>
+      <p:pic>
+        <p:nvPicPr>
+          <p:cNvPr id="4" name="Content Placeholder 3"/>
+          <p:cNvPicPr>
+            <a:picLocks noGrp="1" noChangeAspect="1"/>
+          </p:cNvPicPr>
           <p:nvPr>
             <p:ph idx="1"/>
           </p:nvPr>
-        </p:nvSpPr>
-        <p:spPr/>
-        <p:txBody>
-          <a:bodyPr>
-            <a:normAutofit/>
+        </p:nvPicPr>
+        <p:blipFill>
+          <a:blip r:embed="rId2">
+            <a:extLst>
+              <a:ext uri="{28A0092B-C50C-407E-A947-70E740481C1C}">
+                <a14:useLocalDpi xmlns:a14="http://schemas.microsoft.com/office/drawing/2010/main" val="0"/>
+              </a:ext>
+            </a:extLst>
+          </a:blip>
+          <a:stretch>
+            <a:fillRect/>
+          </a:stretch>
+        </p:blipFill>
+        <p:spPr>
+          <a:xfrm>
+            <a:off x="671051" y="387458"/>
+            <a:ext cx="10515600" cy="3373425"/>
+          </a:xfrm>
+        </p:spPr>
+      </p:pic>
+      <p:sp>
+        <p:nvSpPr>
+          <p:cNvPr id="5" name="TextBox 4"/>
+          <p:cNvSpPr txBox="1"/>
+          <p:nvPr/>
+        </p:nvSpPr>
+        <p:spPr>
+          <a:xfrm>
+            <a:off x="671050" y="3962399"/>
+            <a:ext cx="10625599" cy="400110"/>
+          </a:xfrm>
+          <a:prstGeom prst="rect">
+            <a:avLst/>
+          </a:prstGeom>
+          <a:noFill/>
+        </p:spPr>
+        <p:txBody>
+          <a:bodyPr wrap="square" rtlCol="0">
+            <a:spAutoFit/>
           </a:bodyPr>
           <a:lstStyle/>
           <a:p>
             <a:r>
-              <a:rPr lang="en-US" dirty="0"/>
-              <a:t>Understanding how to properly load and draw our stored values from the RAM, the address was being displayed one clock cycle too late</a:t>
-            </a:r>
-          </a:p>
-          <a:p>
-            <a:pPr lvl="1"/>
-            <a:r>
-              <a:rPr lang="en-US" dirty="0"/>
-              <a:t>In order to fix this we implemented wait states to load the addresses before trying to read from the address in the RAM</a:t>
-            </a:r>
-          </a:p>
-          <a:p>
-            <a:pPr lvl="1"/>
-            <a:endParaRPr lang="en-US" dirty="0"/>
-          </a:p>
-          <a:p>
-            <a:r>
-              <a:rPr lang="en-US" dirty="0"/>
-              <a:t>Trying to load .bmp files and drawing them on the screen, the pictures were being draw much differently then we expected</a:t>
-            </a:r>
-          </a:p>
-          <a:p>
-            <a:pPr lvl="1"/>
-            <a:r>
-              <a:rPr lang="en-US" dirty="0"/>
-              <a:t>This was an issue because the way we implemented the coordinates of the Snake initially was by concatenating the values of x and y and storing it in some address of the RAM, however the values were actually stored as the absolute pixel number</a:t>
-            </a:r>
-          </a:p>
-          <a:p>
-            <a:endParaRPr lang="en-CA" dirty="0"/>
+              <a:rPr lang="en-US" sz="2000" dirty="0"/>
+              <a:t>Title screen is drawn (start)</a:t>
+            </a:r>
+            <a:r>
+              <a:rPr lang="en-US" sz="2000" dirty="0">
+                <a:sym typeface="Wingdings" panose="05000000000000000000" pitchFamily="2" charset="2"/>
+              </a:rPr>
+              <a:t> Main game loop (isDead)  Show Game Over (start)  Title Screen</a:t>
+            </a:r>
+            <a:endParaRPr lang="en-CA" sz="2000" dirty="0"/>
           </a:p>
         </p:txBody>
       </p:sp>
     </p:spTree>
     <p:extLst>
       <p:ext uri="{BB962C8B-B14F-4D97-AF65-F5344CB8AC3E}">
-        <p14:creationId xmlns:p14="http://schemas.microsoft.com/office/powerpoint/2010/main" val="3279665488"/>
+        <p14:creationId xmlns:p14="http://schemas.microsoft.com/office/powerpoint/2010/main" val="920671156"/>
       </p:ext>
     </p:extLst>
   </p:cSld>
@@ -6813,7 +6974,7 @@
           <a:p>
             <a:r>
               <a:rPr lang="en-US" dirty="0"/>
-              <a:t>What We Learned	</a:t>
+              <a:t>Problems We Ran Into</a:t>
             </a:r>
             <a:endParaRPr lang="en-CA" dirty="0"/>
           </a:p>
@@ -6829,60 +6990,23 @@
             <p:ph idx="1"/>
           </p:nvPr>
         </p:nvSpPr>
-        <p:spPr>
-          <a:xfrm>
-            <a:off x="838200" y="1884618"/>
-            <a:ext cx="10515600" cy="4351338"/>
-          </a:xfrm>
-        </p:spPr>
-        <p:txBody>
-          <a:bodyPr/>
+        <p:spPr/>
+        <p:txBody>
+          <a:bodyPr>
+            <a:normAutofit/>
+          </a:bodyPr>
           <a:lstStyle/>
           <a:p>
             <a:r>
               <a:rPr lang="en-US" dirty="0"/>
-              <a:t>How to build a large, complex project with many parts</a:t>
+              <a:t>Understanding how to properly load and draw our stored values from the RAM, the address was being displayed one clock cycle too late</a:t>
             </a:r>
           </a:p>
           <a:p>
             <a:pPr lvl="1"/>
             <a:r>
               <a:rPr lang="en-US" dirty="0"/>
-              <a:t>Carefully designing and testing individual modules as well as putting them together</a:t>
-            </a:r>
-          </a:p>
-          <a:p>
-            <a:pPr lvl="1"/>
-            <a:r>
-              <a:rPr lang="en-US" dirty="0"/>
-              <a:t>Properly planning out and organizing the workload as well as collaborating through version control software</a:t>
-            </a:r>
-          </a:p>
-          <a:p>
-            <a:pPr lvl="1"/>
-            <a:r>
-              <a:rPr lang="en-US" dirty="0"/>
-              <a:t>Integrating everything that we learned from previous labs</a:t>
-            </a:r>
-          </a:p>
-          <a:p>
-            <a:r>
-              <a:rPr lang="en-US" dirty="0"/>
-              <a:t>First hand experience on working with memory</a:t>
-            </a:r>
-          </a:p>
-          <a:p>
-            <a:pPr lvl="1"/>
-            <a:r>
-              <a:rPr lang="en-US" dirty="0"/>
-              <a:t>Properly loading and reading from RAM in order to draw and update the Snake position</a:t>
-            </a:r>
-          </a:p>
-          <a:p>
-            <a:pPr lvl="1"/>
-            <a:r>
-              <a:rPr lang="en-US" dirty="0"/>
-              <a:t>Drawing from preloaded RAM for images and animations</a:t>
+              <a:t>In order to fix this we implemented wait states to load the addresses before trying to read from the address in the RAM</a:t>
             </a:r>
           </a:p>
           <a:p>
@@ -6890,55 +7014,27 @@
             <a:endParaRPr lang="en-US" dirty="0"/>
           </a:p>
           <a:p>
-            <a:pPr marL="457200" lvl="1" indent="0">
-              <a:buNone/>
-            </a:pPr>
-            <a:endParaRPr lang="en-US" dirty="0"/>
-          </a:p>
-          <a:p>
-            <a:pPr marL="457200" lvl="1" indent="0">
-              <a:buNone/>
-            </a:pPr>
-            <a:endParaRPr lang="en-US" dirty="0"/>
+            <a:r>
+              <a:rPr lang="en-US" dirty="0"/>
+              <a:t>Trying to load .bmp files and drawing them on the screen, the pictures were being draw much differently then we expected</a:t>
+            </a:r>
           </a:p>
           <a:p>
             <a:pPr lvl="1"/>
-            <a:endParaRPr lang="en-US" dirty="0"/>
-          </a:p>
-          <a:p>
-            <a:pPr lvl="1"/>
-            <a:endParaRPr lang="en-US" dirty="0"/>
-          </a:p>
-          <a:p>
-            <a:pPr lvl="1"/>
-            <a:endParaRPr lang="en-US" dirty="0"/>
-          </a:p>
-          <a:p>
-            <a:pPr lvl="1"/>
-            <a:endParaRPr lang="en-US" dirty="0"/>
-          </a:p>
-          <a:p>
-            <a:pPr lvl="1"/>
-            <a:endParaRPr lang="en-US" dirty="0"/>
-          </a:p>
-          <a:p>
-            <a:pPr lvl="1"/>
-            <a:endParaRPr lang="en-US" dirty="0"/>
-          </a:p>
-          <a:p>
-            <a:pPr lvl="1"/>
-            <a:endParaRPr lang="en-US" dirty="0"/>
-          </a:p>
-          <a:p>
-            <a:pPr lvl="1"/>
-            <a:endParaRPr lang="en-US" dirty="0"/>
+            <a:r>
+              <a:rPr lang="en-US" dirty="0"/>
+              <a:t>This was an issue because the way we implemented the coordinates of the Snake initially was by concatenating the values of x and y and storing it in some address of the RAM, however the values were actually stored as the absolute pixel number</a:t>
+            </a:r>
+          </a:p>
+          <a:p>
+            <a:endParaRPr lang="en-CA" dirty="0"/>
           </a:p>
         </p:txBody>
       </p:sp>
     </p:spTree>
     <p:extLst>
       <p:ext uri="{BB962C8B-B14F-4D97-AF65-F5344CB8AC3E}">
-        <p14:creationId xmlns:p14="http://schemas.microsoft.com/office/powerpoint/2010/main" val="1517396002"/>
+        <p14:creationId xmlns:p14="http://schemas.microsoft.com/office/powerpoint/2010/main" val="3279665488"/>
       </p:ext>
     </p:extLst>
   </p:cSld>
